--- a/docs/2-ASP.NET-Core-and-Web-API/aspnetcore-webapis.pptx
+++ b/docs/2-ASP.NET-Core-and-Web-API/aspnetcore-webapis.pptx
@@ -184,6 +184,10 @@
 </p:cmAuthorLst>
 </file>
 
+<file path=ppt/revisionInfo.xml><?xml version="1.0" encoding="utf-8"?>
+<p1510:revInfo xmlns:a="http://schemas.openxmlformats.org/drawingml/2006/main" xmlns:r="http://schemas.openxmlformats.org/officeDocument/2006/relationships" xmlns:p1510="http://schemas.microsoft.com/office/powerpoint/2015/10/main"/>
+</file>
+
 <file path=ppt/handoutMasters/handoutMaster1.xml><?xml version="1.0" encoding="utf-8"?>
 <p:handoutMaster xmlns:a="http://schemas.openxmlformats.org/drawingml/2006/main" xmlns:r="http://schemas.openxmlformats.org/officeDocument/2006/relationships" xmlns:p="http://schemas.openxmlformats.org/presentationml/2006/main">
   <p:cSld>
@@ -273,7 +277,7 @@
               <a:rPr lang="en-US" smtClean="0">
                 <a:latin typeface="Segoe UI" pitchFamily="34" charset="0"/>
               </a:rPr>
-              <a:t>10/5/2017 10:45 AM</a:t>
+              <a:t>10/8/2017 10:00 PM</a:t>
             </a:fld>
             <a:endParaRPr lang="en-US" dirty="0">
               <a:latin typeface="Segoe UI" pitchFamily="34" charset="0"/>
@@ -554,7 +558,7 @@
           <a:p>
             <a:fld id="{38EEC551-8CDA-4EB6-89BB-2A86C9F091C8}" type="datetime8">
               <a:rPr lang="en-US" smtClean="0"/>
-              <a:t>10/5/2017 10:44 AM</a:t>
+              <a:t>10/8/2017 6:59 PM</a:t>
             </a:fld>
             <a:endParaRPr lang="en-US" dirty="0"/>
           </a:p>
@@ -971,7 +975,7 @@
           <a:p>
             <a:fld id="{38EEC551-8CDA-4EB6-89BB-2A86C9F091C8}" type="datetime8">
               <a:rPr lang="en-US" smtClean="0"/>
-              <a:t>10/5/2017 10:44 AM</a:t>
+              <a:t>10/8/2017 6:59 PM</a:t>
             </a:fld>
             <a:endParaRPr lang="en-US" dirty="0"/>
           </a:p>
@@ -1188,13 +1192,16 @@
           <a:p>
             <a:r>
               <a:rPr lang="en-US" dirty="0"/>
-              <a:t>Should checking </a:t>
+              <a:t>Show checking </a:t>
             </a:r>
             <a:r>
               <a:rPr lang="en-US" dirty="0" err="1"/>
               <a:t>ModelState.IsValid</a:t>
             </a:r>
-            <a:endParaRPr lang="en-US" dirty="0"/>
+            <a:r>
+              <a:rPr lang="en-US" dirty="0"/>
+              <a:t>, but throwing an exception</a:t>
+            </a:r>
           </a:p>
           <a:p>
             <a:endParaRPr lang="en-US" dirty="0"/>
@@ -1599,7 +1606,7 @@
           <a:p>
             <a:r>
               <a:rPr lang="en-US" dirty="0"/>
-              <a:t>Get some JSON and some XML by specifying the Accept header</a:t>
+              <a:t>Use Postman to get some JSON and some XML by specifying the Accept header</a:t>
             </a:r>
           </a:p>
           <a:p>
@@ -1905,7 +1912,7 @@
           <a:p>
             <a:fld id="{38EEC551-8CDA-4EB6-89BB-2A86C9F091C8}" type="datetime8">
               <a:rPr lang="en-US" smtClean="0"/>
-              <a:t>10/5/2017 10:48 AM</a:t>
+              <a:t>10/8/2017 6:59 PM</a:t>
             </a:fld>
             <a:endParaRPr lang="en-US" dirty="0"/>
           </a:p>
@@ -2090,7 +2097,7 @@
           <a:p>
             <a:fld id="{38EEC551-8CDA-4EB6-89BB-2A86C9F091C8}" type="datetime8">
               <a:rPr lang="en-US" smtClean="0"/>
-              <a:t>10/5/2017 10:48 AM</a:t>
+              <a:t>10/8/2017 6:59 PM</a:t>
             </a:fld>
             <a:endParaRPr lang="en-US" dirty="0"/>
           </a:p>
@@ -2275,7 +2282,7 @@
           <a:p>
             <a:fld id="{38EEC551-8CDA-4EB6-89BB-2A86C9F091C8}" type="datetime8">
               <a:rPr lang="en-US" smtClean="0"/>
-              <a:t>10/5/2017 10:48 AM</a:t>
+              <a:t>10/8/2017 6:59 PM</a:t>
             </a:fld>
             <a:endParaRPr lang="en-US" dirty="0"/>
           </a:p>
@@ -2593,7 +2600,7 @@
           <a:p>
             <a:fld id="{38EEC551-8CDA-4EB6-89BB-2A86C9F091C8}" type="datetime8">
               <a:rPr lang="en-US" smtClean="0"/>
-              <a:t>10/5/2017 10:48 AM</a:t>
+              <a:t>10/8/2017 6:59 PM</a:t>
             </a:fld>
             <a:endParaRPr lang="en-US" dirty="0"/>
           </a:p>
@@ -2778,7 +2785,7 @@
           <a:p>
             <a:fld id="{38EEC551-8CDA-4EB6-89BB-2A86C9F091C8}" type="datetime8">
               <a:rPr lang="en-US" smtClean="0"/>
-              <a:t>10/5/2017 10:48 AM</a:t>
+              <a:t>10/8/2017 6:59 PM</a:t>
             </a:fld>
             <a:endParaRPr lang="en-US" dirty="0"/>
           </a:p>
@@ -18825,7 +18832,12 @@
             <p:ph type="body" sz="quarter" idx="10"/>
           </p:nvPr>
         </p:nvSpPr>
-        <p:spPr/>
+        <p:spPr>
+          <a:xfrm>
+            <a:off x="274638" y="1212850"/>
+            <a:ext cx="11888787" cy="4228850"/>
+          </a:xfrm>
+        </p:spPr>
         <p:txBody>
           <a:bodyPr/>
           <a:lstStyle/>
@@ -18881,6 +18893,12 @@
             <a:r>
               <a:rPr lang="en-US" dirty="0"/>
               <a:t>}</a:t>
+            </a:r>
+          </a:p>
+          <a:p>
+            <a:r>
+              <a:rPr lang="en-US" dirty="0"/>
+              <a:t>Wildcard: {*path}</a:t>
             </a:r>
           </a:p>
         </p:txBody>
@@ -20367,9 +20385,12 @@
 </file>
 
 <file path=customXml/item1.xml><?xml version="1.0" encoding="utf-8"?>
-<p:properties xmlns:p="http://schemas.microsoft.com/office/2006/metadata/properties" xmlns:xsi="http://www.w3.org/2001/XMLSchema-instance" xmlns:pc="http://schemas.microsoft.com/office/infopath/2007/PartnerControls">
-  <documentManagement/>
-</p:properties>
+<?mso-contentType ?>
+<FormTemplates xmlns="http://schemas.microsoft.com/sharepoint/v3/contenttype/forms">
+  <Display>DocumentLibraryForm</Display>
+  <Edit>DocumentLibraryForm</Edit>
+  <New>DocumentLibraryForm</New>
+</FormTemplates>
 </file>
 
 <file path=customXml/item2.xml><?xml version="1.0" encoding="utf-8"?>
@@ -20535,26 +20556,15 @@
 </file>
 
 <file path=customXml/item3.xml><?xml version="1.0" encoding="utf-8"?>
-<?mso-contentType ?>
-<FormTemplates xmlns="http://schemas.microsoft.com/sharepoint/v3/contenttype/forms">
-  <Display>DocumentLibraryForm</Display>
-  <Edit>DocumentLibraryForm</Edit>
-  <New>DocumentLibraryForm</New>
-</FormTemplates>
+<p:properties xmlns:p="http://schemas.microsoft.com/office/2006/metadata/properties" xmlns:xsi="http://www.w3.org/2001/XMLSchema-instance" xmlns:pc="http://schemas.microsoft.com/office/infopath/2007/PartnerControls">
+  <documentManagement/>
+</p:properties>
 </file>
 
 <file path=customXml/itemProps1.xml><?xml version="1.0" encoding="utf-8"?>
-<ds:datastoreItem xmlns:ds="http://schemas.openxmlformats.org/officeDocument/2006/customXml" ds:itemID="{F990F116-B58F-4255-B05B-DA3808E0E5C6}">
+<ds:datastoreItem xmlns:ds="http://schemas.openxmlformats.org/officeDocument/2006/customXml" ds:itemID="{758FDAC0-319D-4A54-8D8E-1D42CB1F8004}">
   <ds:schemaRefs>
-    <ds:schemaRef ds:uri="http://purl.org/dc/elements/1.1/"/>
-    <ds:schemaRef ds:uri="http://schemas.microsoft.com/office/2006/documentManagement/types"/>
-    <ds:schemaRef ds:uri="http://schemas.microsoft.com/office/infopath/2007/PartnerControls"/>
-    <ds:schemaRef ds:uri="http://purl.org/dc/dcmitype/"/>
-    <ds:schemaRef ds:uri="http://www.w3.org/XML/1998/namespace"/>
-    <ds:schemaRef ds:uri="http://purl.org/dc/terms/"/>
-    <ds:schemaRef ds:uri="http://schemas.openxmlformats.org/package/2006/metadata/core-properties"/>
-    <ds:schemaRef ds:uri="http://schemas.microsoft.com/office/2006/metadata/properties"/>
-    <ds:schemaRef ds:uri="29eeffc7-3a1a-4f16-995c-1b7b58342919"/>
+    <ds:schemaRef ds:uri="http://schemas.microsoft.com/sharepoint/v3/contenttype/forms"/>
   </ds:schemaRefs>
 </ds:datastoreItem>
 </file>
@@ -20578,9 +20588,17 @@
 </file>
 
 <file path=customXml/itemProps3.xml><?xml version="1.0" encoding="utf-8"?>
-<ds:datastoreItem xmlns:ds="http://schemas.openxmlformats.org/officeDocument/2006/customXml" ds:itemID="{758FDAC0-319D-4A54-8D8E-1D42CB1F8004}">
+<ds:datastoreItem xmlns:ds="http://schemas.openxmlformats.org/officeDocument/2006/customXml" ds:itemID="{F990F116-B58F-4255-B05B-DA3808E0E5C6}">
   <ds:schemaRefs>
-    <ds:schemaRef ds:uri="http://schemas.microsoft.com/sharepoint/v3/contenttype/forms"/>
+    <ds:schemaRef ds:uri="http://purl.org/dc/elements/1.1/"/>
+    <ds:schemaRef ds:uri="http://schemas.microsoft.com/office/2006/documentManagement/types"/>
+    <ds:schemaRef ds:uri="http://schemas.microsoft.com/office/infopath/2007/PartnerControls"/>
+    <ds:schemaRef ds:uri="http://purl.org/dc/dcmitype/"/>
+    <ds:schemaRef ds:uri="http://www.w3.org/XML/1998/namespace"/>
+    <ds:schemaRef ds:uri="http://purl.org/dc/terms/"/>
+    <ds:schemaRef ds:uri="http://schemas.openxmlformats.org/package/2006/metadata/core-properties"/>
+    <ds:schemaRef ds:uri="http://schemas.microsoft.com/office/2006/metadata/properties"/>
+    <ds:schemaRef ds:uri="29eeffc7-3a1a-4f16-995c-1b7b58342919"/>
   </ds:schemaRefs>
 </ds:datastoreItem>
 </file>